--- a/Data Structures/src/AVL Tree.pptx
+++ b/Data Structures/src/AVL Tree.pptx
@@ -38,12 +38,12 @@
       <p:boldItalic r:id="rId21"/>
     </p:embeddedFont>
     <p:embeddedFont>
-      <p:font typeface="Cascadia Code ExtraLight" panose="020B0609020000020004" pitchFamily="49" charset="0"/>
+      <p:font typeface="Cascadia Code ExtraLight" panose="020B0604020202020204" charset="0"/>
       <p:regular r:id="rId22"/>
       <p:italic r:id="rId23"/>
     </p:embeddedFont>
     <p:embeddedFont>
-      <p:font typeface="Cascadia Mono ExtraLight" panose="020B0609020000020004" pitchFamily="49" charset="0"/>
+      <p:font typeface="Cascadia Mono ExtraLight" panose="020B0604020202020204" charset="0"/>
       <p:regular r:id="rId24"/>
       <p:italic r:id="rId25"/>
     </p:embeddedFont>
@@ -1969,7 +1969,7 @@
           <a:p>
             <a:fld id="{48A87A34-81AB-432B-8DAE-1953F412C126}" type="datetimeFigureOut">
               <a:rPr lang="en-US" smtClean="0"/>
-              <a:t>12/10/2023</a:t>
+              <a:t>12/11/2023</a:t>
             </a:fld>
             <a:endParaRPr lang="en-US" dirty="0"/>
           </a:p>
@@ -2268,7 +2268,7 @@
           <a:p>
             <a:fld id="{48A87A34-81AB-432B-8DAE-1953F412C126}" type="datetimeFigureOut">
               <a:rPr lang="en-US" smtClean="0"/>
-              <a:t>12/10/2023</a:t>
+              <a:t>12/11/2023</a:t>
             </a:fld>
             <a:endParaRPr lang="en-US" dirty="0"/>
           </a:p>
@@ -2462,7 +2462,7 @@
             <a:fld id="{48A87A34-81AB-432B-8DAE-1953F412C126}" type="datetimeFigureOut">
               <a:rPr lang="en-US" smtClean="0"/>
               <a:pPr/>
-              <a:t>12/10/2023</a:t>
+              <a:t>12/11/2023</a:t>
             </a:fld>
             <a:endParaRPr lang="en-US" dirty="0"/>
           </a:p>
@@ -2725,7 +2725,7 @@
             <a:fld id="{48A87A34-81AB-432B-8DAE-1953F412C126}" type="datetimeFigureOut">
               <a:rPr lang="en-US" smtClean="0"/>
               <a:pPr/>
-              <a:t>12/10/2023</a:t>
+              <a:t>12/11/2023</a:t>
             </a:fld>
             <a:endParaRPr lang="en-US" dirty="0"/>
           </a:p>
@@ -3151,7 +3151,7 @@
             <a:fld id="{48A87A34-81AB-432B-8DAE-1953F412C126}" type="datetimeFigureOut">
               <a:rPr lang="en-US" smtClean="0"/>
               <a:pPr/>
-              <a:t>12/10/2023</a:t>
+              <a:t>12/11/2023</a:t>
             </a:fld>
             <a:endParaRPr lang="en-US" dirty="0"/>
           </a:p>
@@ -3689,7 +3689,7 @@
           <a:p>
             <a:fld id="{48A87A34-81AB-432B-8DAE-1953F412C126}" type="datetimeFigureOut">
               <a:rPr lang="en-US" smtClean="0"/>
-              <a:t>12/10/2023</a:t>
+              <a:t>12/11/2023</a:t>
             </a:fld>
             <a:endParaRPr lang="en-US" dirty="0"/>
           </a:p>
@@ -4554,7 +4554,7 @@
           <a:p>
             <a:fld id="{48A87A34-81AB-432B-8DAE-1953F412C126}" type="datetimeFigureOut">
               <a:rPr lang="en-US" smtClean="0"/>
-              <a:t>12/10/2023</a:t>
+              <a:t>12/11/2023</a:t>
             </a:fld>
             <a:endParaRPr lang="en-US" dirty="0"/>
           </a:p>
@@ -4725,7 +4725,7 @@
           <a:p>
             <a:fld id="{48A87A34-81AB-432B-8DAE-1953F412C126}" type="datetimeFigureOut">
               <a:rPr lang="en-US" smtClean="0"/>
-              <a:t>12/10/2023</a:t>
+              <a:t>12/11/2023</a:t>
             </a:fld>
             <a:endParaRPr lang="en-US" dirty="0"/>
           </a:p>
@@ -4911,7 +4911,7 @@
             <a:fld id="{48A87A34-81AB-432B-8DAE-1953F412C126}" type="datetimeFigureOut">
               <a:rPr lang="en-US" smtClean="0"/>
               <a:pPr/>
-              <a:t>12/10/2023</a:t>
+              <a:t>12/11/2023</a:t>
             </a:fld>
             <a:endParaRPr lang="en-US" dirty="0"/>
           </a:p>
@@ -6276,7 +6276,7 @@
           <a:p>
             <a:fld id="{48A87A34-81AB-432B-8DAE-1953F412C126}" type="datetimeFigureOut">
               <a:rPr lang="en-US" smtClean="0"/>
-              <a:t>12/10/2023</a:t>
+              <a:t>12/11/2023</a:t>
             </a:fld>
             <a:endParaRPr lang="en-US" dirty="0"/>
           </a:p>
@@ -6522,7 +6522,7 @@
             <a:fld id="{48A87A34-81AB-432B-8DAE-1953F412C126}" type="datetimeFigureOut">
               <a:rPr lang="en-US" smtClean="0"/>
               <a:pPr/>
-              <a:t>12/10/2023</a:t>
+              <a:t>12/11/2023</a:t>
             </a:fld>
             <a:endParaRPr lang="en-US" dirty="0"/>
           </a:p>
@@ -6759,7 +6759,7 @@
           <a:p>
             <a:fld id="{48A87A34-81AB-432B-8DAE-1953F412C126}" type="datetimeFigureOut">
               <a:rPr lang="en-US" smtClean="0"/>
-              <a:t>12/10/2023</a:t>
+              <a:t>12/11/2023</a:t>
             </a:fld>
             <a:endParaRPr lang="en-US" dirty="0"/>
           </a:p>
@@ -7226,7 +7226,7 @@
           <a:p>
             <a:fld id="{48A87A34-81AB-432B-8DAE-1953F412C126}" type="datetimeFigureOut">
               <a:rPr lang="en-US" smtClean="0"/>
-              <a:t>12/10/2023</a:t>
+              <a:t>12/11/2023</a:t>
             </a:fld>
             <a:endParaRPr lang="en-US" dirty="0"/>
           </a:p>
@@ -7345,7 +7345,7 @@
           <a:p>
             <a:fld id="{48A87A34-81AB-432B-8DAE-1953F412C126}" type="datetimeFigureOut">
               <a:rPr lang="en-US" smtClean="0"/>
-              <a:t>12/10/2023</a:t>
+              <a:t>12/11/2023</a:t>
             </a:fld>
             <a:endParaRPr lang="en-US" dirty="0"/>
           </a:p>
@@ -7441,7 +7441,7 @@
           <a:p>
             <a:fld id="{48A87A34-81AB-432B-8DAE-1953F412C126}" type="datetimeFigureOut">
               <a:rPr lang="en-US" smtClean="0"/>
-              <a:t>12/10/2023</a:t>
+              <a:t>12/11/2023</a:t>
             </a:fld>
             <a:endParaRPr lang="en-US" dirty="0"/>
           </a:p>
@@ -7697,7 +7697,7 @@
           <a:p>
             <a:fld id="{48A87A34-81AB-432B-8DAE-1953F412C126}" type="datetimeFigureOut">
               <a:rPr lang="en-US" smtClean="0"/>
-              <a:t>12/10/2023</a:t>
+              <a:t>12/11/2023</a:t>
             </a:fld>
             <a:endParaRPr lang="en-US" dirty="0"/>
           </a:p>
@@ -7998,7 +7998,7 @@
           <a:p>
             <a:fld id="{48A87A34-81AB-432B-8DAE-1953F412C126}" type="datetimeFigureOut">
               <a:rPr lang="en-US" smtClean="0"/>
-              <a:t>12/10/2023</a:t>
+              <a:t>12/11/2023</a:t>
             </a:fld>
             <a:endParaRPr lang="en-US" dirty="0"/>
           </a:p>
@@ -8234,7 +8234,7 @@
             <a:fld id="{48A87A34-81AB-432B-8DAE-1953F412C126}" type="datetimeFigureOut">
               <a:rPr lang="en-US" smtClean="0"/>
               <a:pPr/>
-              <a:t>12/10/2023</a:t>
+              <a:t>12/11/2023</a:t>
             </a:fld>
             <a:endParaRPr lang="en-US" dirty="0"/>
           </a:p>
@@ -34190,8 +34190,8 @@
         </p:blipFill>
         <p:spPr>
           <a:xfrm>
-            <a:off x="3741821" y="894904"/>
-            <a:ext cx="4981073" cy="4040076"/>
+            <a:off x="4684496" y="1075708"/>
+            <a:ext cx="3120619" cy="2531089"/>
           </a:xfrm>
           <a:prstGeom prst="rect">
             <a:avLst/>
@@ -34273,6 +34273,426 @@
               <a:buNone/>
             </a:pPr>
             <a:endParaRPr/>
+          </a:p>
+        </p:txBody>
+      </p:sp>
+      <p:sp>
+        <p:nvSpPr>
+          <p:cNvPr id="25" name="Google Shape;829;p40">
+            <a:extLst>
+              <a:ext uri="{FF2B5EF4-FFF2-40B4-BE49-F238E27FC236}">
+                <a16:creationId xmlns:a16="http://schemas.microsoft.com/office/drawing/2014/main" id="{BF936871-6F20-4FF1-AF18-EAA5BA5CE7F1}"/>
+              </a:ext>
+            </a:extLst>
+          </p:cNvPr>
+          <p:cNvSpPr txBox="1">
+            <a:spLocks/>
+          </p:cNvSpPr>
+          <p:nvPr/>
+        </p:nvSpPr>
+        <p:spPr>
+          <a:xfrm>
+            <a:off x="4784491" y="3308207"/>
+            <a:ext cx="2920627" cy="3416400"/>
+          </a:xfrm>
+          <a:prstGeom prst="rect">
+            <a:avLst/>
+          </a:prstGeom>
+          <a:effectLst>
+            <a:outerShdw blurRad="25400" dir="17880000">
+              <a:srgbClr val="000000">
+                <a:alpha val="46000"/>
+              </a:srgbClr>
+            </a:outerShdw>
+          </a:effectLst>
+        </p:spPr>
+        <p:txBody>
+          <a:bodyPr spcFirstLastPara="1" vert="horz" wrap="square" lIns="91425" tIns="91425" rIns="91425" bIns="91425" rtlCol="0" anchor="t" anchorCtr="0">
+            <a:noAutofit/>
+          </a:bodyPr>
+          <a:lstStyle>
+            <a:lvl1pPr marL="457200" lvl="0" indent="-330200" algn="l" defTabSz="342900" rtl="0" eaLnBrk="1" latinLnBrk="0" hangingPunct="1">
+              <a:lnSpc>
+                <a:spcPct val="100000"/>
+              </a:lnSpc>
+              <a:spcBef>
+                <a:spcPts val="0"/>
+              </a:spcBef>
+              <a:spcAft>
+                <a:spcPts val="0"/>
+              </a:spcAft>
+              <a:buClr>
+                <a:schemeClr val="tx2"/>
+              </a:buClr>
+              <a:buSzPts val="1600"/>
+              <a:buFont typeface="Wingdings 2" charset="2"/>
+              <a:buChar char="●"/>
+              <a:defRPr sz="1300" kern="1200">
+                <a:ln>
+                  <a:solidFill>
+                    <a:schemeClr val="bg1">
+                      <a:lumMod val="75000"/>
+                      <a:lumOff val="25000"/>
+                      <a:alpha val="10000"/>
+                    </a:schemeClr>
+                  </a:solidFill>
+                </a:ln>
+                <a:solidFill>
+                  <a:schemeClr val="tx2"/>
+                </a:solidFill>
+                <a:effectLst>
+                  <a:outerShdw blurRad="9525" dist="25400" dir="14640000" algn="tl" rotWithShape="0">
+                    <a:schemeClr val="bg1">
+                      <a:alpha val="30000"/>
+                    </a:schemeClr>
+                  </a:outerShdw>
+                </a:effectLst>
+                <a:latin typeface="+mn-lt"/>
+                <a:ea typeface="+mn-ea"/>
+                <a:cs typeface="+mn-cs"/>
+              </a:defRPr>
+            </a:lvl1pPr>
+            <a:lvl2pPr marL="914400" lvl="1" indent="-330200" algn="l" defTabSz="342900" rtl="0" eaLnBrk="1" latinLnBrk="0" hangingPunct="1">
+              <a:spcBef>
+                <a:spcPts val="0"/>
+              </a:spcBef>
+              <a:spcAft>
+                <a:spcPts val="0"/>
+              </a:spcAft>
+              <a:buClr>
+                <a:schemeClr val="tx2"/>
+              </a:buClr>
+              <a:buSzPts val="1600"/>
+              <a:buFont typeface="Wingdings 2" charset="2"/>
+              <a:buChar char="○"/>
+              <a:defRPr sz="1350" kern="1200">
+                <a:ln>
+                  <a:solidFill>
+                    <a:schemeClr val="bg1">
+                      <a:lumMod val="75000"/>
+                      <a:lumOff val="25000"/>
+                      <a:alpha val="10000"/>
+                    </a:schemeClr>
+                  </a:solidFill>
+                </a:ln>
+                <a:solidFill>
+                  <a:schemeClr val="tx2"/>
+                </a:solidFill>
+                <a:effectLst>
+                  <a:outerShdw blurRad="9525" dist="25400" dir="14640000" algn="tl" rotWithShape="0">
+                    <a:schemeClr val="bg1">
+                      <a:alpha val="30000"/>
+                    </a:schemeClr>
+                  </a:outerShdw>
+                </a:effectLst>
+                <a:latin typeface="+mn-lt"/>
+                <a:ea typeface="+mn-ea"/>
+                <a:cs typeface="+mn-cs"/>
+              </a:defRPr>
+            </a:lvl2pPr>
+            <a:lvl3pPr marL="1371600" lvl="2" indent="-330200" algn="l" defTabSz="342900" rtl="0" eaLnBrk="1" latinLnBrk="0" hangingPunct="1">
+              <a:spcBef>
+                <a:spcPts val="0"/>
+              </a:spcBef>
+              <a:spcAft>
+                <a:spcPts val="0"/>
+              </a:spcAft>
+              <a:buClr>
+                <a:schemeClr val="tx2"/>
+              </a:buClr>
+              <a:buSzPts val="1600"/>
+              <a:buFont typeface="Wingdings 2" charset="2"/>
+              <a:buChar char="■"/>
+              <a:defRPr sz="1200" kern="1200">
+                <a:ln>
+                  <a:solidFill>
+                    <a:schemeClr val="bg1">
+                      <a:lumMod val="75000"/>
+                      <a:lumOff val="25000"/>
+                      <a:alpha val="10000"/>
+                    </a:schemeClr>
+                  </a:solidFill>
+                </a:ln>
+                <a:solidFill>
+                  <a:schemeClr val="tx2"/>
+                </a:solidFill>
+                <a:effectLst>
+                  <a:outerShdw blurRad="9525" dist="25400" dir="14640000" algn="tl" rotWithShape="0">
+                    <a:schemeClr val="bg1">
+                      <a:alpha val="30000"/>
+                    </a:schemeClr>
+                  </a:outerShdw>
+                </a:effectLst>
+                <a:latin typeface="+mn-lt"/>
+                <a:ea typeface="+mn-ea"/>
+                <a:cs typeface="+mn-cs"/>
+              </a:defRPr>
+            </a:lvl3pPr>
+            <a:lvl4pPr marL="1828800" lvl="3" indent="-330200" algn="l" defTabSz="342900" rtl="0" eaLnBrk="1" latinLnBrk="0" hangingPunct="1">
+              <a:spcBef>
+                <a:spcPts val="0"/>
+              </a:spcBef>
+              <a:spcAft>
+                <a:spcPts val="0"/>
+              </a:spcAft>
+              <a:buClr>
+                <a:schemeClr val="tx2"/>
+              </a:buClr>
+              <a:buSzPts val="1600"/>
+              <a:buFont typeface="Wingdings 2" charset="2"/>
+              <a:buChar char="●"/>
+              <a:defRPr sz="1050" kern="1200">
+                <a:ln>
+                  <a:solidFill>
+                    <a:schemeClr val="bg1">
+                      <a:lumMod val="75000"/>
+                      <a:lumOff val="25000"/>
+                      <a:alpha val="10000"/>
+                    </a:schemeClr>
+                  </a:solidFill>
+                </a:ln>
+                <a:solidFill>
+                  <a:schemeClr val="tx2"/>
+                </a:solidFill>
+                <a:effectLst>
+                  <a:outerShdw blurRad="9525" dist="25400" dir="14640000" algn="tl" rotWithShape="0">
+                    <a:schemeClr val="bg1">
+                      <a:alpha val="30000"/>
+                    </a:schemeClr>
+                  </a:outerShdw>
+                </a:effectLst>
+                <a:latin typeface="+mn-lt"/>
+                <a:ea typeface="+mn-ea"/>
+                <a:cs typeface="+mn-cs"/>
+              </a:defRPr>
+            </a:lvl4pPr>
+            <a:lvl5pPr marL="2286000" lvl="4" indent="-330200" algn="l" defTabSz="342900" rtl="0" eaLnBrk="1" latinLnBrk="0" hangingPunct="1">
+              <a:spcBef>
+                <a:spcPts val="0"/>
+              </a:spcBef>
+              <a:spcAft>
+                <a:spcPts val="0"/>
+              </a:spcAft>
+              <a:buClr>
+                <a:schemeClr val="tx2"/>
+              </a:buClr>
+              <a:buSzPts val="1600"/>
+              <a:buFont typeface="Wingdings 2" charset="2"/>
+              <a:buChar char="○"/>
+              <a:defRPr sz="1050" kern="1200">
+                <a:ln>
+                  <a:solidFill>
+                    <a:schemeClr val="bg1">
+                      <a:lumMod val="75000"/>
+                      <a:lumOff val="25000"/>
+                      <a:alpha val="10000"/>
+                    </a:schemeClr>
+                  </a:solidFill>
+                </a:ln>
+                <a:solidFill>
+                  <a:schemeClr val="tx2"/>
+                </a:solidFill>
+                <a:effectLst>
+                  <a:outerShdw blurRad="9525" dist="25400" dir="14640000" algn="tl" rotWithShape="0">
+                    <a:schemeClr val="bg1">
+                      <a:alpha val="30000"/>
+                    </a:schemeClr>
+                  </a:outerShdw>
+                </a:effectLst>
+                <a:latin typeface="+mn-lt"/>
+                <a:ea typeface="+mn-ea"/>
+                <a:cs typeface="+mn-cs"/>
+              </a:defRPr>
+            </a:lvl5pPr>
+            <a:lvl6pPr marL="2743200" lvl="5" indent="-330200" algn="l" defTabSz="342900" rtl="0" eaLnBrk="1" latinLnBrk="0" hangingPunct="1">
+              <a:spcBef>
+                <a:spcPts val="0"/>
+              </a:spcBef>
+              <a:spcAft>
+                <a:spcPts val="0"/>
+              </a:spcAft>
+              <a:buClr>
+                <a:schemeClr val="tx2"/>
+              </a:buClr>
+              <a:buSzPts val="1600"/>
+              <a:buFont typeface="Wingdings 2" charset="2"/>
+              <a:buChar char="■"/>
+              <a:defRPr sz="1050" kern="1200">
+                <a:ln>
+                  <a:solidFill>
+                    <a:schemeClr val="bg1">
+                      <a:lumMod val="75000"/>
+                      <a:lumOff val="25000"/>
+                      <a:alpha val="10000"/>
+                    </a:schemeClr>
+                  </a:solidFill>
+                </a:ln>
+                <a:solidFill>
+                  <a:schemeClr val="tx2"/>
+                </a:solidFill>
+                <a:effectLst>
+                  <a:outerShdw blurRad="9525" dist="25400" dir="14640000" algn="tl" rotWithShape="0">
+                    <a:schemeClr val="bg1">
+                      <a:alpha val="30000"/>
+                    </a:schemeClr>
+                  </a:outerShdw>
+                </a:effectLst>
+                <a:latin typeface="+mn-lt"/>
+                <a:ea typeface="+mn-ea"/>
+                <a:cs typeface="+mn-cs"/>
+              </a:defRPr>
+            </a:lvl6pPr>
+            <a:lvl7pPr marL="3200400" lvl="6" indent="-330200" algn="l" defTabSz="342900" rtl="0" eaLnBrk="1" latinLnBrk="0" hangingPunct="1">
+              <a:spcBef>
+                <a:spcPts val="0"/>
+              </a:spcBef>
+              <a:spcAft>
+                <a:spcPts val="0"/>
+              </a:spcAft>
+              <a:buClr>
+                <a:schemeClr val="tx2"/>
+              </a:buClr>
+              <a:buSzPts val="1600"/>
+              <a:buFont typeface="Wingdings 2" charset="2"/>
+              <a:buChar char="●"/>
+              <a:defRPr sz="1050" kern="1200">
+                <a:ln>
+                  <a:solidFill>
+                    <a:schemeClr val="bg1">
+                      <a:lumMod val="75000"/>
+                      <a:lumOff val="25000"/>
+                      <a:alpha val="10000"/>
+                    </a:schemeClr>
+                  </a:solidFill>
+                </a:ln>
+                <a:solidFill>
+                  <a:schemeClr val="tx2"/>
+                </a:solidFill>
+                <a:effectLst>
+                  <a:outerShdw blurRad="9525" dist="25400" dir="14640000" algn="tl" rotWithShape="0">
+                    <a:schemeClr val="bg1">
+                      <a:alpha val="30000"/>
+                    </a:schemeClr>
+                  </a:outerShdw>
+                </a:effectLst>
+                <a:latin typeface="+mn-lt"/>
+                <a:ea typeface="+mn-ea"/>
+                <a:cs typeface="+mn-cs"/>
+              </a:defRPr>
+            </a:lvl7pPr>
+            <a:lvl8pPr marL="3657600" lvl="7" indent="-330200" algn="l" defTabSz="342900" rtl="0" eaLnBrk="1" latinLnBrk="0" hangingPunct="1">
+              <a:spcBef>
+                <a:spcPts val="0"/>
+              </a:spcBef>
+              <a:spcAft>
+                <a:spcPts val="0"/>
+              </a:spcAft>
+              <a:buClr>
+                <a:schemeClr val="tx2"/>
+              </a:buClr>
+              <a:buSzPts val="1600"/>
+              <a:buFont typeface="Wingdings 2" charset="2"/>
+              <a:buChar char="○"/>
+              <a:defRPr sz="1050" kern="1200">
+                <a:ln>
+                  <a:solidFill>
+                    <a:schemeClr val="bg1">
+                      <a:lumMod val="75000"/>
+                      <a:lumOff val="25000"/>
+                      <a:alpha val="10000"/>
+                    </a:schemeClr>
+                  </a:solidFill>
+                </a:ln>
+                <a:solidFill>
+                  <a:schemeClr val="tx2"/>
+                </a:solidFill>
+                <a:effectLst>
+                  <a:outerShdw blurRad="9525" dist="25400" dir="14640000" algn="tl" rotWithShape="0">
+                    <a:schemeClr val="bg1">
+                      <a:alpha val="30000"/>
+                    </a:schemeClr>
+                  </a:outerShdw>
+                </a:effectLst>
+                <a:latin typeface="+mn-lt"/>
+                <a:ea typeface="+mn-ea"/>
+                <a:cs typeface="+mn-cs"/>
+              </a:defRPr>
+            </a:lvl8pPr>
+            <a:lvl9pPr marL="4114800" lvl="8" indent="-330200" algn="l" defTabSz="342900" rtl="0" eaLnBrk="1" latinLnBrk="0" hangingPunct="1">
+              <a:spcBef>
+                <a:spcPts val="0"/>
+              </a:spcBef>
+              <a:spcAft>
+                <a:spcPts val="0"/>
+              </a:spcAft>
+              <a:buClr>
+                <a:schemeClr val="tx2"/>
+              </a:buClr>
+              <a:buSzPts val="1600"/>
+              <a:buFont typeface="Wingdings 2" charset="2"/>
+              <a:buChar char="■"/>
+              <a:defRPr sz="1050" kern="1200">
+                <a:ln>
+                  <a:solidFill>
+                    <a:schemeClr val="bg1">
+                      <a:lumMod val="75000"/>
+                      <a:lumOff val="25000"/>
+                      <a:alpha val="10000"/>
+                    </a:schemeClr>
+                  </a:solidFill>
+                </a:ln>
+                <a:solidFill>
+                  <a:schemeClr val="tx2"/>
+                </a:solidFill>
+                <a:effectLst>
+                  <a:outerShdw blurRad="9525" dist="25400" dir="14640000" algn="tl" rotWithShape="0">
+                    <a:schemeClr val="bg1">
+                      <a:alpha val="30000"/>
+                    </a:schemeClr>
+                  </a:outerShdw>
+                </a:effectLst>
+                <a:latin typeface="+mn-lt"/>
+                <a:ea typeface="+mn-ea"/>
+                <a:cs typeface="+mn-cs"/>
+              </a:defRPr>
+            </a:lvl9pPr>
+          </a:lstStyle>
+          <a:p>
+            <a:pPr marL="0" indent="0">
+              <a:buFont typeface="Wingdings 2" charset="2"/>
+              <a:buNone/>
+            </a:pPr>
+            <a:endParaRPr lang="pt-BR" sz="2000" dirty="0"/>
+          </a:p>
+          <a:p>
+            <a:pPr marL="342900" indent="-342900">
+              <a:buFont typeface="Arial" panose="020B0604020202020204" pitchFamily="34" charset="0"/>
+              <a:buChar char="•"/>
+            </a:pPr>
+            <a:r>
+              <a:rPr lang="pt-BR" sz="2000" dirty="0"/>
+              <a:t>Balanceamento Dinâmico</a:t>
+            </a:r>
+          </a:p>
+          <a:p>
+            <a:pPr marL="342900" indent="-342900">
+              <a:buFont typeface="Arial" panose="020B0604020202020204" pitchFamily="34" charset="0"/>
+              <a:buChar char="•"/>
+            </a:pPr>
+            <a:r>
+              <a:rPr lang="pt-BR" sz="2000" dirty="0"/>
+              <a:t>Rotações Inteligentes</a:t>
+            </a:r>
+          </a:p>
+          <a:p>
+            <a:pPr marL="342900" indent="-342900">
+              <a:buFont typeface="Arial" panose="020B0604020202020204" pitchFamily="34" charset="0"/>
+              <a:buChar char="•"/>
+            </a:pPr>
+            <a:r>
+              <a:rPr lang="pt-BR" sz="2000" dirty="0"/>
+              <a:t>Verificação Contínua</a:t>
+            </a:r>
           </a:p>
         </p:txBody>
       </p:sp>
